--- a/lab2a.pptx
+++ b/lab2a.pptx
@@ -283,7 +283,7 @@
           <a:p>
             <a:fld id="{19359330-D385-6745-B1F6-C8A2F3D84D88}" type="datetimeFigureOut">
               <a:rPr lang="en-US" smtClean="0"/>
-              <a:t>9/3/21</a:t>
+              <a:t>1/28/22</a:t>
             </a:fld>
             <a:endParaRPr lang="en-US"/>
           </a:p>
@@ -481,7 +481,7 @@
           <a:p>
             <a:fld id="{19359330-D385-6745-B1F6-C8A2F3D84D88}" type="datetimeFigureOut">
               <a:rPr lang="en-US" smtClean="0"/>
-              <a:t>9/3/21</a:t>
+              <a:t>1/28/22</a:t>
             </a:fld>
             <a:endParaRPr lang="en-US"/>
           </a:p>
@@ -689,7 +689,7 @@
           <a:p>
             <a:fld id="{19359330-D385-6745-B1F6-C8A2F3D84D88}" type="datetimeFigureOut">
               <a:rPr lang="en-US" smtClean="0"/>
-              <a:t>9/3/21</a:t>
+              <a:t>1/28/22</a:t>
             </a:fld>
             <a:endParaRPr lang="en-US"/>
           </a:p>
@@ -887,7 +887,7 @@
           <a:p>
             <a:fld id="{19359330-D385-6745-B1F6-C8A2F3D84D88}" type="datetimeFigureOut">
               <a:rPr lang="en-US" smtClean="0"/>
-              <a:t>9/3/21</a:t>
+              <a:t>1/28/22</a:t>
             </a:fld>
             <a:endParaRPr lang="en-US"/>
           </a:p>
@@ -1162,7 +1162,7 @@
           <a:p>
             <a:fld id="{19359330-D385-6745-B1F6-C8A2F3D84D88}" type="datetimeFigureOut">
               <a:rPr lang="en-US" smtClean="0"/>
-              <a:t>9/3/21</a:t>
+              <a:t>1/28/22</a:t>
             </a:fld>
             <a:endParaRPr lang="en-US"/>
           </a:p>
@@ -1427,7 +1427,7 @@
           <a:p>
             <a:fld id="{19359330-D385-6745-B1F6-C8A2F3D84D88}" type="datetimeFigureOut">
               <a:rPr lang="en-US" smtClean="0"/>
-              <a:t>9/3/21</a:t>
+              <a:t>1/28/22</a:t>
             </a:fld>
             <a:endParaRPr lang="en-US"/>
           </a:p>
@@ -1839,7 +1839,7 @@
           <a:p>
             <a:fld id="{19359330-D385-6745-B1F6-C8A2F3D84D88}" type="datetimeFigureOut">
               <a:rPr lang="en-US" smtClean="0"/>
-              <a:t>9/3/21</a:t>
+              <a:t>1/28/22</a:t>
             </a:fld>
             <a:endParaRPr lang="en-US"/>
           </a:p>
@@ -1980,7 +1980,7 @@
           <a:p>
             <a:fld id="{19359330-D385-6745-B1F6-C8A2F3D84D88}" type="datetimeFigureOut">
               <a:rPr lang="en-US" smtClean="0"/>
-              <a:t>9/3/21</a:t>
+              <a:t>1/28/22</a:t>
             </a:fld>
             <a:endParaRPr lang="en-US"/>
           </a:p>
@@ -2093,7 +2093,7 @@
           <a:p>
             <a:fld id="{19359330-D385-6745-B1F6-C8A2F3D84D88}" type="datetimeFigureOut">
               <a:rPr lang="en-US" smtClean="0"/>
-              <a:t>9/3/21</a:t>
+              <a:t>1/28/22</a:t>
             </a:fld>
             <a:endParaRPr lang="en-US"/>
           </a:p>
@@ -2404,7 +2404,7 @@
           <a:p>
             <a:fld id="{19359330-D385-6745-B1F6-C8A2F3D84D88}" type="datetimeFigureOut">
               <a:rPr lang="en-US" smtClean="0"/>
-              <a:t>9/3/21</a:t>
+              <a:t>1/28/22</a:t>
             </a:fld>
             <a:endParaRPr lang="en-US"/>
           </a:p>
@@ -2692,7 +2692,7 @@
           <a:p>
             <a:fld id="{19359330-D385-6745-B1F6-C8A2F3D84D88}" type="datetimeFigureOut">
               <a:rPr lang="en-US" smtClean="0"/>
-              <a:t>9/3/21</a:t>
+              <a:t>1/28/22</a:t>
             </a:fld>
             <a:endParaRPr lang="en-US"/>
           </a:p>
@@ -2933,7 +2933,7 @@
           <a:p>
             <a:fld id="{19359330-D385-6745-B1F6-C8A2F3D84D88}" type="datetimeFigureOut">
               <a:rPr lang="en-US" smtClean="0"/>
-              <a:t>9/3/21</a:t>
+              <a:t>1/28/22</a:t>
             </a:fld>
             <a:endParaRPr lang="en-US"/>
           </a:p>
@@ -8431,13 +8431,21 @@
           </a:p>
           <a:p>
             <a:r>
-              <a:rPr lang="en-US" dirty="0"/>
+              <a:rPr lang="en-US" dirty="0">
+                <a:solidFill>
+                  <a:schemeClr val="bg1"/>
+                </a:solidFill>
+              </a:rPr>
               <a:t>TEST_VAL1 .FILL #5</a:t>
             </a:r>
           </a:p>
           <a:p>
             <a:r>
-              <a:rPr lang="en-US" dirty="0"/>
+              <a:rPr lang="en-US" dirty="0">
+                <a:solidFill>
+                  <a:schemeClr val="bg1"/>
+                </a:solidFill>
+              </a:rPr>
               <a:t>TEST_VAL2 .FILL #6</a:t>
             </a:r>
           </a:p>
